--- a/預期成果圖1.pptx
+++ b/預期成果圖1.pptx
@@ -3844,7 +3844,7 @@
         <p:spPr>
           <a:xfrm>
             <a:off x="856493" y="4698939"/>
-            <a:ext cx="12739385" cy="369332"/>
+            <a:ext cx="9977762" cy="1477328"/>
           </a:xfrm>
           <a:prstGeom prst="rect">
             <a:avLst/>
@@ -3852,7 +3852,7 @@
           <a:noFill/>
         </p:spPr>
         <p:txBody>
-          <a:bodyPr wrap="none" rtlCol="0">
+          <a:bodyPr wrap="square" rtlCol="0">
             <a:spAutoFit/>
           </a:bodyPr>
           <a:lstStyle/>
@@ -3874,12 +3874,20 @@
               <a:t>：</a:t>
             </a:r>
             <a:r>
+              <a:rPr lang="zh-TW" altLang="en-US" b="1" dirty="0" smtClean="0">
+                <a:latin typeface="Times New Roman" panose="02020603050405020304" pitchFamily="18" charset="0"/>
+                <a:ea typeface="標楷體" panose="03000509000000000000" pitchFamily="65" charset="-120"/>
+                <a:cs typeface="Times New Roman" panose="02020603050405020304" pitchFamily="18" charset="0"/>
+              </a:rPr>
+              <a:t>抓取使用者</a:t>
+            </a:r>
+            <a:r>
               <a:rPr lang="zh-TW" altLang="en-US" b="1" dirty="0">
                 <a:latin typeface="Times New Roman" panose="02020603050405020304" pitchFamily="18" charset="0"/>
                 <a:ea typeface="標楷體" panose="03000509000000000000" pitchFamily="65" charset="-120"/>
                 <a:cs typeface="Times New Roman" panose="02020603050405020304" pitchFamily="18" charset="0"/>
               </a:rPr>
-              <a:t>抓取者定位或輸入位置，並設定出遊日期及天數，使用者勾選系統推薦景點或自行輸入</a:t>
+              <a:t>定位或輸入位置，並設定</a:t>
             </a:r>
             <a:r>
               <a:rPr lang="zh-TW" altLang="en-US" b="1" dirty="0" smtClean="0">
@@ -3887,7 +3895,7 @@
                 <a:ea typeface="標楷體" panose="03000509000000000000" pitchFamily="65" charset="-120"/>
                 <a:cs typeface="Times New Roman" panose="02020603050405020304" pitchFamily="18" charset="0"/>
               </a:rPr>
-              <a:t>，相對</a:t>
+              <a:t>出遊時間。接著使用者</a:t>
             </a:r>
             <a:r>
               <a:rPr lang="zh-TW" altLang="en-US" b="1" dirty="0">
@@ -3895,7 +3903,7 @@
                 <a:ea typeface="標楷體" panose="03000509000000000000" pitchFamily="65" charset="-120"/>
                 <a:cs typeface="Times New Roman" panose="02020603050405020304" pitchFamily="18" charset="0"/>
               </a:rPr>
-              <a:t>距離使用</a:t>
+              <a:t>勾選系統推薦景點或自行輸入</a:t>
             </a:r>
             <a:r>
               <a:rPr lang="zh-TW" altLang="en-US" b="1" dirty="0" smtClean="0">
@@ -3903,7 +3911,15 @@
                 <a:ea typeface="標楷體" panose="03000509000000000000" pitchFamily="65" charset="-120"/>
                 <a:cs typeface="Times New Roman" panose="02020603050405020304" pitchFamily="18" charset="0"/>
               </a:rPr>
-              <a:t>、景點</a:t>
+              <a:t>，</a:t>
+            </a:r>
+            <a:r>
+              <a:rPr lang="zh-TW" altLang="en-US" b="1" dirty="0" smtClean="0">
+                <a:latin typeface="Times New Roman" panose="02020603050405020304" pitchFamily="18" charset="0"/>
+                <a:ea typeface="標楷體" panose="03000509000000000000" pitchFamily="65" charset="-120"/>
+                <a:cs typeface="Times New Roman" panose="02020603050405020304" pitchFamily="18" charset="0"/>
+              </a:rPr>
+              <a:t>系統會</a:t>
             </a:r>
             <a:r>
               <a:rPr lang="zh-TW" altLang="en-US" b="1" dirty="0">
@@ -3911,7 +3927,72 @@
                 <a:ea typeface="標楷體" panose="03000509000000000000" pitchFamily="65" charset="-120"/>
                 <a:cs typeface="Times New Roman" panose="02020603050405020304" pitchFamily="18" charset="0"/>
               </a:rPr>
-              <a:t>評分</a:t>
+              <a:t>根據</a:t>
+            </a:r>
+            <a:r>
+              <a:rPr lang="zh-TW" altLang="en-US" b="1" dirty="0" smtClean="0">
+                <a:latin typeface="Times New Roman" panose="02020603050405020304" pitchFamily="18" charset="0"/>
+                <a:ea typeface="標楷體" panose="03000509000000000000" pitchFamily="65" charset="-120"/>
+                <a:cs typeface="Times New Roman" panose="02020603050405020304" pitchFamily="18" charset="0"/>
+              </a:rPr>
+              <a:t>相對距離、</a:t>
+            </a:r>
+            <a:r>
+              <a:rPr lang="zh-TW" altLang="en-US" b="1" dirty="0" smtClean="0">
+                <a:latin typeface="Times New Roman" panose="02020603050405020304" pitchFamily="18" charset="0"/>
+                <a:ea typeface="標楷體" panose="03000509000000000000" pitchFamily="65" charset="-120"/>
+                <a:cs typeface="Times New Roman" panose="02020603050405020304" pitchFamily="18" charset="0"/>
+              </a:rPr>
+              <a:t>景點</a:t>
+            </a:r>
+            <a:r>
+              <a:rPr lang="zh-TW" altLang="en-US" b="1" dirty="0" smtClean="0">
+                <a:latin typeface="Times New Roman" panose="02020603050405020304" pitchFamily="18" charset="0"/>
+                <a:ea typeface="標楷體" panose="03000509000000000000" pitchFamily="65" charset="-120"/>
+                <a:cs typeface="Times New Roman" panose="02020603050405020304" pitchFamily="18" charset="0"/>
+              </a:rPr>
+              <a:t>評分等進行推薦。</a:t>
+            </a:r>
+            <a:endParaRPr lang="en-US" altLang="zh-TW" b="1" dirty="0" smtClean="0">
+              <a:latin typeface="Times New Roman" panose="02020603050405020304" pitchFamily="18" charset="0"/>
+              <a:ea typeface="標楷體" panose="03000509000000000000" pitchFamily="65" charset="-120"/>
+              <a:cs typeface="Times New Roman" panose="02020603050405020304" pitchFamily="18" charset="0"/>
+            </a:endParaRPr>
+          </a:p>
+          <a:p>
+            <a:r>
+              <a:rPr lang="en-US" altLang="zh-TW" b="1" dirty="0">
+                <a:latin typeface="Times New Roman" panose="02020603050405020304" pitchFamily="18" charset="0"/>
+                <a:ea typeface="標楷體" panose="03000509000000000000" pitchFamily="65" charset="-120"/>
+                <a:cs typeface="Times New Roman" panose="02020603050405020304" pitchFamily="18" charset="0"/>
+              </a:rPr>
+              <a:t>Step2</a:t>
+            </a:r>
+            <a:r>
+              <a:rPr lang="zh-TW" altLang="en-US" b="1" dirty="0">
+                <a:latin typeface="Times New Roman" panose="02020603050405020304" pitchFamily="18" charset="0"/>
+                <a:ea typeface="標楷體" panose="03000509000000000000" pitchFamily="65" charset="-120"/>
+                <a:cs typeface="Times New Roman" panose="02020603050405020304" pitchFamily="18" charset="0"/>
+              </a:rPr>
+              <a:t>：系統根據類別、距離等推薦相似景點，待使用者選擇完後，將景點資訊標準化，依得分為使用者安排順序，標準化資訊包含人潮資訊、營業時間、評分等。</a:t>
+            </a:r>
+          </a:p>
+          <a:p>
+            <a:r>
+              <a:rPr lang="en-US" altLang="zh-TW" b="1" dirty="0">
+                <a:latin typeface="Times New Roman" panose="02020603050405020304" pitchFamily="18" charset="0"/>
+                <a:ea typeface="標楷體" panose="03000509000000000000" pitchFamily="65" charset="-120"/>
+                <a:cs typeface="Times New Roman" panose="02020603050405020304" pitchFamily="18" charset="0"/>
+              </a:rPr>
+              <a:t>Step3</a:t>
+            </a:r>
+            <a:r>
+              <a:rPr lang="zh-TW" altLang="en-US" b="1" dirty="0">
+                <a:latin typeface="Times New Roman" panose="02020603050405020304" pitchFamily="18" charset="0"/>
+                <a:ea typeface="標楷體" panose="03000509000000000000" pitchFamily="65" charset="-120"/>
+                <a:cs typeface="Times New Roman" panose="02020603050405020304" pitchFamily="18" charset="0"/>
+              </a:rPr>
+              <a:t>：顯示推薦景點順序的結果</a:t>
             </a:r>
             <a:r>
               <a:rPr lang="zh-TW" altLang="en-US" b="1" dirty="0" smtClean="0">
@@ -3995,15 +4076,7 @@
                 <a:ea typeface="標楷體" panose="03000509000000000000" pitchFamily="65" charset="-120"/>
                 <a:cs typeface="Times New Roman" panose="02020603050405020304" pitchFamily="18" charset="0"/>
               </a:rPr>
-              <a:t>景</a:t>
-            </a:r>
-            <a:r>
-              <a:rPr lang="zh-TW" altLang="en-US" b="1" dirty="0" smtClean="0">
-                <a:latin typeface="Times New Roman" panose="02020603050405020304" pitchFamily="18" charset="0"/>
-                <a:ea typeface="標楷體" panose="03000509000000000000" pitchFamily="65" charset="-120"/>
-                <a:cs typeface="Times New Roman" panose="02020603050405020304" pitchFamily="18" charset="0"/>
-              </a:rPr>
-              <a:t>點</a:t>
+              <a:t>景點</a:t>
             </a:r>
             <a:r>
               <a:rPr lang="en-US" altLang="zh-TW" b="1" dirty="0" smtClean="0">
@@ -4049,15 +4122,7 @@
                 <a:ea typeface="標楷體" panose="03000509000000000000" pitchFamily="65" charset="-120"/>
                 <a:cs typeface="Times New Roman" panose="02020603050405020304" pitchFamily="18" charset="0"/>
               </a:rPr>
-              <a:t>景</a:t>
-            </a:r>
-            <a:r>
-              <a:rPr lang="zh-TW" altLang="en-US" b="1" dirty="0" smtClean="0">
-                <a:latin typeface="Times New Roman" panose="02020603050405020304" pitchFamily="18" charset="0"/>
-                <a:ea typeface="標楷體" panose="03000509000000000000" pitchFamily="65" charset="-120"/>
-                <a:cs typeface="Times New Roman" panose="02020603050405020304" pitchFamily="18" charset="0"/>
-              </a:rPr>
-              <a:t>點</a:t>
+              <a:t>景點</a:t>
             </a:r>
             <a:r>
               <a:rPr lang="en-US" altLang="zh-TW" b="1" dirty="0">
@@ -4103,15 +4168,7 @@
                 <a:ea typeface="標楷體" panose="03000509000000000000" pitchFamily="65" charset="-120"/>
                 <a:cs typeface="Times New Roman" panose="02020603050405020304" pitchFamily="18" charset="0"/>
               </a:rPr>
-              <a:t>景</a:t>
-            </a:r>
-            <a:r>
-              <a:rPr lang="zh-TW" altLang="en-US" b="1" dirty="0" smtClean="0">
-                <a:latin typeface="Times New Roman" panose="02020603050405020304" pitchFamily="18" charset="0"/>
-                <a:ea typeface="標楷體" panose="03000509000000000000" pitchFamily="65" charset="-120"/>
-                <a:cs typeface="Times New Roman" panose="02020603050405020304" pitchFamily="18" charset="0"/>
-              </a:rPr>
-              <a:t>點</a:t>
+              <a:t>景點</a:t>
             </a:r>
             <a:r>
               <a:rPr lang="en-US" altLang="zh-TW" b="1" dirty="0">
@@ -4291,114 +4348,6 @@
           </p:txBody>
         </p:sp>
       </p:grpSp>
-      <p:sp>
-        <p:nvSpPr>
-          <p:cNvPr id="45" name="文字方塊 44"/>
-          <p:cNvSpPr txBox="1"/>
-          <p:nvPr/>
-        </p:nvSpPr>
-        <p:spPr>
-          <a:xfrm>
-            <a:off x="856493" y="5334625"/>
-            <a:ext cx="14586044" cy="369332"/>
-          </a:xfrm>
-          <a:prstGeom prst="rect">
-            <a:avLst/>
-          </a:prstGeom>
-          <a:noFill/>
-        </p:spPr>
-        <p:txBody>
-          <a:bodyPr wrap="none" rtlCol="0">
-            <a:spAutoFit/>
-          </a:bodyPr>
-          <a:lstStyle/>
-          <a:p>
-            <a:r>
-              <a:rPr lang="en-US" altLang="zh-TW" b="1" dirty="0" smtClean="0">
-                <a:latin typeface="Times New Roman" panose="02020603050405020304" pitchFamily="18" charset="0"/>
-                <a:ea typeface="標楷體" panose="03000509000000000000" pitchFamily="65" charset="-120"/>
-                <a:cs typeface="Times New Roman" panose="02020603050405020304" pitchFamily="18" charset="0"/>
-              </a:rPr>
-              <a:t>Step</a:t>
-            </a:r>
-            <a:r>
-              <a:rPr lang="en-US" altLang="zh-TW" b="1" dirty="0">
-                <a:latin typeface="Times New Roman" panose="02020603050405020304" pitchFamily="18" charset="0"/>
-                <a:ea typeface="標楷體" panose="03000509000000000000" pitchFamily="65" charset="-120"/>
-                <a:cs typeface="Times New Roman" panose="02020603050405020304" pitchFamily="18" charset="0"/>
-              </a:rPr>
-              <a:t>2</a:t>
-            </a:r>
-            <a:r>
-              <a:rPr lang="zh-TW" altLang="en-US" b="1" dirty="0" smtClean="0">
-                <a:latin typeface="Times New Roman" panose="02020603050405020304" pitchFamily="18" charset="0"/>
-                <a:ea typeface="標楷體" panose="03000509000000000000" pitchFamily="65" charset="-120"/>
-                <a:cs typeface="Times New Roman" panose="02020603050405020304" pitchFamily="18" charset="0"/>
-              </a:rPr>
-              <a:t>：讓使用者選擇是否推薦相似景點，再根據演算法為使用者推薦出遊景點順序，演算法條件包含人潮資訊、相對距離、營業時間等。</a:t>
-            </a:r>
-            <a:endParaRPr lang="zh-TW" altLang="en-US" b="1" dirty="0">
-              <a:latin typeface="Times New Roman" panose="02020603050405020304" pitchFamily="18" charset="0"/>
-              <a:ea typeface="標楷體" panose="03000509000000000000" pitchFamily="65" charset="-120"/>
-              <a:cs typeface="Times New Roman" panose="02020603050405020304" pitchFamily="18" charset="0"/>
-            </a:endParaRPr>
-          </a:p>
-        </p:txBody>
-      </p:sp>
-      <p:sp>
-        <p:nvSpPr>
-          <p:cNvPr id="46" name="文字方塊 45"/>
-          <p:cNvSpPr txBox="1"/>
-          <p:nvPr/>
-        </p:nvSpPr>
-        <p:spPr>
-          <a:xfrm>
-            <a:off x="856493" y="5822930"/>
-            <a:ext cx="3736920" cy="369332"/>
-          </a:xfrm>
-          <a:prstGeom prst="rect">
-            <a:avLst/>
-          </a:prstGeom>
-          <a:noFill/>
-        </p:spPr>
-        <p:txBody>
-          <a:bodyPr wrap="none" rtlCol="0">
-            <a:spAutoFit/>
-          </a:bodyPr>
-          <a:lstStyle/>
-          <a:p>
-            <a:r>
-              <a:rPr lang="en-US" altLang="zh-TW" b="1" dirty="0" smtClean="0">
-                <a:latin typeface="Times New Roman" panose="02020603050405020304" pitchFamily="18" charset="0"/>
-                <a:ea typeface="標楷體" panose="03000509000000000000" pitchFamily="65" charset="-120"/>
-                <a:cs typeface="Times New Roman" panose="02020603050405020304" pitchFamily="18" charset="0"/>
-              </a:rPr>
-              <a:t>Step3</a:t>
-            </a:r>
-            <a:r>
-              <a:rPr lang="zh-TW" altLang="en-US" b="1" dirty="0">
-                <a:latin typeface="Times New Roman" panose="02020603050405020304" pitchFamily="18" charset="0"/>
-                <a:ea typeface="標楷體" panose="03000509000000000000" pitchFamily="65" charset="-120"/>
-                <a:cs typeface="Times New Roman" panose="02020603050405020304" pitchFamily="18" charset="0"/>
-              </a:rPr>
-              <a:t>：顯示</a:t>
-            </a:r>
-            <a:r>
-              <a:rPr lang="zh-TW" altLang="en-US" b="1" dirty="0" smtClean="0">
-                <a:latin typeface="Times New Roman" panose="02020603050405020304" pitchFamily="18" charset="0"/>
-                <a:ea typeface="標楷體" panose="03000509000000000000" pitchFamily="65" charset="-120"/>
-                <a:cs typeface="Times New Roman" panose="02020603050405020304" pitchFamily="18" charset="0"/>
-              </a:rPr>
-              <a:t>推薦景點順序的結果。</a:t>
-            </a:r>
-            <a:endParaRPr lang="zh-TW" altLang="en-US" b="1" dirty="0">
-              <a:latin typeface="Times New Roman" panose="02020603050405020304" pitchFamily="18" charset="0"/>
-              <a:ea typeface="標楷體" panose="03000509000000000000" pitchFamily="65" charset="-120"/>
-              <a:cs typeface="Times New Roman" panose="02020603050405020304" pitchFamily="18" charset="0"/>
-            </a:endParaRPr>
-          </a:p>
-        </p:txBody>
-      </p:sp>
       <p:grpSp>
         <p:nvGrpSpPr>
           <p:cNvPr id="50" name="群組 49"/>
@@ -4995,7 +4944,28 @@
                 <a:ea typeface="標楷體" panose="03000509000000000000" pitchFamily="65" charset="-120"/>
                 <a:cs typeface="Times New Roman" panose="02020603050405020304" pitchFamily="18" charset="0"/>
               </a:rPr>
-              <a:t> 出遊日期  </a:t>
+              <a:t> </a:t>
+            </a:r>
+            <a:r>
+              <a:rPr lang="zh-TW" altLang="en-US" b="1" u="heavy" dirty="0" smtClean="0">
+                <a:solidFill>
+                  <a:schemeClr val="bg2">
+                    <a:lumMod val="50000"/>
+                  </a:schemeClr>
+                </a:solidFill>
+                <a:uFill>
+                  <a:solidFill>
+                    <a:schemeClr val="tx1">
+                      <a:lumMod val="95000"/>
+                      <a:lumOff val="5000"/>
+                    </a:schemeClr>
+                  </a:solidFill>
+                </a:uFill>
+                <a:latin typeface="Times New Roman" panose="02020603050405020304" pitchFamily="18" charset="0"/>
+                <a:ea typeface="標楷體" panose="03000509000000000000" pitchFamily="65" charset="-120"/>
+                <a:cs typeface="Times New Roman" panose="02020603050405020304" pitchFamily="18" charset="0"/>
+              </a:rPr>
+              <a:t>出遊時間  </a:t>
             </a:r>
             <a:endParaRPr lang="zh-TW" altLang="en-US" b="1" u="heavy" dirty="0">
               <a:solidFill>
@@ -5144,15 +5114,7 @@
                   <a:ea typeface="標楷體" panose="03000509000000000000" pitchFamily="65" charset="-120"/>
                   <a:cs typeface="Times New Roman" panose="02020603050405020304" pitchFamily="18" charset="0"/>
                 </a:rPr>
-                <a:t>景</a:t>
-              </a:r>
-              <a:r>
-                <a:rPr lang="zh-TW" altLang="en-US" sz="1600" b="1" dirty="0" smtClean="0">
-                  <a:latin typeface="Times New Roman" panose="02020603050405020304" pitchFamily="18" charset="0"/>
-                  <a:ea typeface="標楷體" panose="03000509000000000000" pitchFamily="65" charset="-120"/>
-                  <a:cs typeface="Times New Roman" panose="02020603050405020304" pitchFamily="18" charset="0"/>
-                </a:rPr>
-                <a:t>點</a:t>
+                <a:t>景點</a:t>
               </a:r>
               <a:r>
                 <a:rPr lang="en-US" altLang="zh-TW" sz="1600" b="1" dirty="0" smtClean="0">
@@ -5259,15 +5221,7 @@
                   <a:ea typeface="標楷體" panose="03000509000000000000" pitchFamily="65" charset="-120"/>
                   <a:cs typeface="Times New Roman" panose="02020603050405020304" pitchFamily="18" charset="0"/>
                 </a:rPr>
-                <a:t>景</a:t>
-              </a:r>
-              <a:r>
-                <a:rPr lang="zh-TW" altLang="en-US" sz="1600" b="1" dirty="0" smtClean="0">
-                  <a:latin typeface="Times New Roman" panose="02020603050405020304" pitchFamily="18" charset="0"/>
-                  <a:ea typeface="標楷體" panose="03000509000000000000" pitchFamily="65" charset="-120"/>
-                  <a:cs typeface="Times New Roman" panose="02020603050405020304" pitchFamily="18" charset="0"/>
-                </a:rPr>
-                <a:t>點</a:t>
+                <a:t>景點</a:t>
               </a:r>
               <a:r>
                 <a:rPr lang="en-US" altLang="zh-TW" sz="1600" b="1" dirty="0" smtClean="0">
@@ -5374,15 +5328,7 @@
                   <a:ea typeface="標楷體" panose="03000509000000000000" pitchFamily="65" charset="-120"/>
                   <a:cs typeface="Times New Roman" panose="02020603050405020304" pitchFamily="18" charset="0"/>
                 </a:rPr>
-                <a:t>景</a:t>
-              </a:r>
-              <a:r>
-                <a:rPr lang="zh-TW" altLang="en-US" sz="1600" b="1" dirty="0" smtClean="0">
-                  <a:latin typeface="Times New Roman" panose="02020603050405020304" pitchFamily="18" charset="0"/>
-                  <a:ea typeface="標楷體" panose="03000509000000000000" pitchFamily="65" charset="-120"/>
-                  <a:cs typeface="Times New Roman" panose="02020603050405020304" pitchFamily="18" charset="0"/>
-                </a:rPr>
-                <a:t>點</a:t>
+                <a:t>景點</a:t>
               </a:r>
               <a:r>
                 <a:rPr lang="en-US" altLang="zh-TW" sz="1600" b="1" dirty="0" smtClean="0">
@@ -5489,15 +5435,7 @@
                   <a:ea typeface="標楷體" panose="03000509000000000000" pitchFamily="65" charset="-120"/>
                   <a:cs typeface="Times New Roman" panose="02020603050405020304" pitchFamily="18" charset="0"/>
                 </a:rPr>
-                <a:t>景</a:t>
-              </a:r>
-              <a:r>
-                <a:rPr lang="zh-TW" altLang="en-US" sz="1600" b="1" dirty="0" smtClean="0">
-                  <a:latin typeface="Times New Roman" panose="02020603050405020304" pitchFamily="18" charset="0"/>
-                  <a:ea typeface="標楷體" panose="03000509000000000000" pitchFamily="65" charset="-120"/>
-                  <a:cs typeface="Times New Roman" panose="02020603050405020304" pitchFamily="18" charset="0"/>
-                </a:rPr>
-                <a:t>點</a:t>
+                <a:t>景點</a:t>
               </a:r>
               <a:r>
                 <a:rPr lang="en-US" altLang="zh-TW" sz="1600" b="1" dirty="0">
@@ -5604,15 +5542,7 @@
                   <a:ea typeface="標楷體" panose="03000509000000000000" pitchFamily="65" charset="-120"/>
                   <a:cs typeface="Times New Roman" panose="02020603050405020304" pitchFamily="18" charset="0"/>
                 </a:rPr>
-                <a:t>景</a:t>
-              </a:r>
-              <a:r>
-                <a:rPr lang="zh-TW" altLang="en-US" sz="1600" b="1" dirty="0" smtClean="0">
-                  <a:latin typeface="Times New Roman" panose="02020603050405020304" pitchFamily="18" charset="0"/>
-                  <a:ea typeface="標楷體" panose="03000509000000000000" pitchFamily="65" charset="-120"/>
-                  <a:cs typeface="Times New Roman" panose="02020603050405020304" pitchFamily="18" charset="0"/>
-                </a:rPr>
-                <a:t>點</a:t>
+                <a:t>景點</a:t>
               </a:r>
               <a:r>
                 <a:rPr lang="en-US" altLang="zh-TW" sz="1600" b="1" dirty="0" smtClean="0">
@@ -6201,15 +6131,7 @@
                   <a:ea typeface="標楷體" panose="03000509000000000000" pitchFamily="65" charset="-120"/>
                   <a:cs typeface="Times New Roman" panose="02020603050405020304" pitchFamily="18" charset="0"/>
                 </a:rPr>
-                <a:t>景</a:t>
-              </a:r>
-              <a:r>
-                <a:rPr lang="zh-TW" altLang="en-US" sz="1600" b="1" dirty="0" smtClean="0">
-                  <a:latin typeface="Times New Roman" panose="02020603050405020304" pitchFamily="18" charset="0"/>
-                  <a:ea typeface="標楷體" panose="03000509000000000000" pitchFamily="65" charset="-120"/>
-                  <a:cs typeface="Times New Roman" panose="02020603050405020304" pitchFamily="18" charset="0"/>
-                </a:rPr>
-                <a:t>點</a:t>
+                <a:t>景點</a:t>
               </a:r>
               <a:r>
                 <a:rPr lang="en-US" altLang="zh-TW" sz="1600" b="1" dirty="0">
@@ -6316,15 +6238,7 @@
                   <a:ea typeface="標楷體" panose="03000509000000000000" pitchFamily="65" charset="-120"/>
                   <a:cs typeface="Times New Roman" panose="02020603050405020304" pitchFamily="18" charset="0"/>
                 </a:rPr>
-                <a:t>景</a:t>
-              </a:r>
-              <a:r>
-                <a:rPr lang="zh-TW" altLang="en-US" sz="1600" b="1" dirty="0" smtClean="0">
-                  <a:latin typeface="Times New Roman" panose="02020603050405020304" pitchFamily="18" charset="0"/>
-                  <a:ea typeface="標楷體" panose="03000509000000000000" pitchFamily="65" charset="-120"/>
-                  <a:cs typeface="Times New Roman" panose="02020603050405020304" pitchFamily="18" charset="0"/>
-                </a:rPr>
-                <a:t>點</a:t>
+                <a:t>景點</a:t>
               </a:r>
               <a:r>
                 <a:rPr lang="en-US" altLang="zh-TW" sz="1600" b="1" dirty="0" smtClean="0">
@@ -6431,15 +6345,7 @@
                   <a:ea typeface="標楷體" panose="03000509000000000000" pitchFamily="65" charset="-120"/>
                   <a:cs typeface="Times New Roman" panose="02020603050405020304" pitchFamily="18" charset="0"/>
                 </a:rPr>
-                <a:t>景</a:t>
-              </a:r>
-              <a:r>
-                <a:rPr lang="zh-TW" altLang="en-US" sz="1600" b="1" dirty="0" smtClean="0">
-                  <a:latin typeface="Times New Roman" panose="02020603050405020304" pitchFamily="18" charset="0"/>
-                  <a:ea typeface="標楷體" panose="03000509000000000000" pitchFamily="65" charset="-120"/>
-                  <a:cs typeface="Times New Roman" panose="02020603050405020304" pitchFamily="18" charset="0"/>
-                </a:rPr>
-                <a:t>點</a:t>
+                <a:t>景點</a:t>
               </a:r>
               <a:r>
                 <a:rPr lang="en-US" altLang="zh-TW" sz="1600" b="1" dirty="0" smtClean="0">
@@ -6546,15 +6452,7 @@
                   <a:ea typeface="標楷體" panose="03000509000000000000" pitchFamily="65" charset="-120"/>
                   <a:cs typeface="Times New Roman" panose="02020603050405020304" pitchFamily="18" charset="0"/>
                 </a:rPr>
-                <a:t>景</a:t>
-              </a:r>
-              <a:r>
-                <a:rPr lang="zh-TW" altLang="en-US" sz="1600" b="1" dirty="0" smtClean="0">
-                  <a:latin typeface="Times New Roman" panose="02020603050405020304" pitchFamily="18" charset="0"/>
-                  <a:ea typeface="標楷體" panose="03000509000000000000" pitchFamily="65" charset="-120"/>
-                  <a:cs typeface="Times New Roman" panose="02020603050405020304" pitchFamily="18" charset="0"/>
-                </a:rPr>
-                <a:t>點</a:t>
+                <a:t>景點</a:t>
               </a:r>
               <a:r>
                 <a:rPr lang="en-US" altLang="zh-TW" sz="1600" b="1" dirty="0">
@@ -6661,15 +6559,7 @@
                   <a:ea typeface="標楷體" panose="03000509000000000000" pitchFamily="65" charset="-120"/>
                   <a:cs typeface="Times New Roman" panose="02020603050405020304" pitchFamily="18" charset="0"/>
                 </a:rPr>
-                <a:t>景</a:t>
-              </a:r>
-              <a:r>
-                <a:rPr lang="zh-TW" altLang="en-US" sz="1600" b="1" dirty="0" smtClean="0">
-                  <a:latin typeface="Times New Roman" panose="02020603050405020304" pitchFamily="18" charset="0"/>
-                  <a:ea typeface="標楷體" panose="03000509000000000000" pitchFamily="65" charset="-120"/>
-                  <a:cs typeface="Times New Roman" panose="02020603050405020304" pitchFamily="18" charset="0"/>
-                </a:rPr>
-                <a:t>點</a:t>
+                <a:t>景點</a:t>
               </a:r>
               <a:r>
                 <a:rPr lang="en-US" altLang="zh-TW" sz="1600" b="1" dirty="0" smtClean="0">
